--- a/public/slides_en.pptx
+++ b/public/slides_en.pptx
@@ -340,7 +340,7 @@
             <a:fld id="{1D8BD707-D9CF-40AE-B4C6-C98DA3205C09}" type="datetimeFigureOut">
               <a:rPr lang="en-US" smtClean="0"/>
               <a:pPr/>
-              <a:t>1/20/2025</a:t>
+              <a:t>2/14/2025</a:t>
             </a:fld>
             <a:endParaRPr lang="en-US"/>
           </a:p>
@@ -505,7 +505,7 @@
             <a:fld id="{1D8BD707-D9CF-40AE-B4C6-C98DA3205C09}" type="datetimeFigureOut">
               <a:rPr lang="en-US" smtClean="0"/>
               <a:pPr/>
-              <a:t>1/20/2025</a:t>
+              <a:t>2/14/2025</a:t>
             </a:fld>
             <a:endParaRPr lang="en-US"/>
           </a:p>
@@ -680,7 +680,7 @@
             <a:fld id="{1D8BD707-D9CF-40AE-B4C6-C98DA3205C09}" type="datetimeFigureOut">
               <a:rPr lang="en-US" smtClean="0"/>
               <a:pPr/>
-              <a:t>1/20/2025</a:t>
+              <a:t>2/14/2025</a:t>
             </a:fld>
             <a:endParaRPr lang="en-US"/>
           </a:p>
@@ -845,7 +845,7 @@
             <a:fld id="{1D8BD707-D9CF-40AE-B4C6-C98DA3205C09}" type="datetimeFigureOut">
               <a:rPr lang="en-US" smtClean="0"/>
               <a:pPr/>
-              <a:t>1/20/2025</a:t>
+              <a:t>2/14/2025</a:t>
             </a:fld>
             <a:endParaRPr lang="en-US"/>
           </a:p>
@@ -1087,7 +1087,7 @@
             <a:fld id="{1D8BD707-D9CF-40AE-B4C6-C98DA3205C09}" type="datetimeFigureOut">
               <a:rPr lang="en-US" smtClean="0"/>
               <a:pPr/>
-              <a:t>1/20/2025</a:t>
+              <a:t>2/14/2025</a:t>
             </a:fld>
             <a:endParaRPr lang="en-US"/>
           </a:p>
@@ -1369,7 +1369,7 @@
             <a:fld id="{1D8BD707-D9CF-40AE-B4C6-C98DA3205C09}" type="datetimeFigureOut">
               <a:rPr lang="en-US" smtClean="0"/>
               <a:pPr/>
-              <a:t>1/20/2025</a:t>
+              <a:t>2/14/2025</a:t>
             </a:fld>
             <a:endParaRPr lang="en-US"/>
           </a:p>
@@ -1785,7 +1785,7 @@
             <a:fld id="{1D8BD707-D9CF-40AE-B4C6-C98DA3205C09}" type="datetimeFigureOut">
               <a:rPr lang="en-US" smtClean="0"/>
               <a:pPr/>
-              <a:t>1/20/2025</a:t>
+              <a:t>2/14/2025</a:t>
             </a:fld>
             <a:endParaRPr lang="en-US"/>
           </a:p>
@@ -1899,7 +1899,7 @@
             <a:fld id="{1D8BD707-D9CF-40AE-B4C6-C98DA3205C09}" type="datetimeFigureOut">
               <a:rPr lang="en-US" smtClean="0"/>
               <a:pPr/>
-              <a:t>1/20/2025</a:t>
+              <a:t>2/14/2025</a:t>
             </a:fld>
             <a:endParaRPr lang="en-US"/>
           </a:p>
@@ -1991,7 +1991,7 @@
             <a:fld id="{1D8BD707-D9CF-40AE-B4C6-C98DA3205C09}" type="datetimeFigureOut">
               <a:rPr lang="en-US" smtClean="0"/>
               <a:pPr/>
-              <a:t>1/20/2025</a:t>
+              <a:t>2/14/2025</a:t>
             </a:fld>
             <a:endParaRPr lang="en-US"/>
           </a:p>
@@ -2263,7 +2263,7 @@
             <a:fld id="{1D8BD707-D9CF-40AE-B4C6-C98DA3205C09}" type="datetimeFigureOut">
               <a:rPr lang="en-US" smtClean="0"/>
               <a:pPr/>
-              <a:t>1/20/2025</a:t>
+              <a:t>2/14/2025</a:t>
             </a:fld>
             <a:endParaRPr lang="en-US"/>
           </a:p>
@@ -2512,7 +2512,7 @@
             <a:fld id="{1D8BD707-D9CF-40AE-B4C6-C98DA3205C09}" type="datetimeFigureOut">
               <a:rPr lang="en-US" smtClean="0"/>
               <a:pPr/>
-              <a:t>1/20/2025</a:t>
+              <a:t>2/14/2025</a:t>
             </a:fld>
             <a:endParaRPr lang="en-US"/>
           </a:p>
@@ -2720,7 +2720,7 @@
             <a:fld id="{1D8BD707-D9CF-40AE-B4C6-C98DA3205C09}" type="datetimeFigureOut">
               <a:rPr lang="en-US" smtClean="0"/>
               <a:pPr/>
-              <a:t>1/20/2025</a:t>
+              <a:t>2/14/2025</a:t>
             </a:fld>
             <a:endParaRPr lang="en-US"/>
           </a:p>
@@ -5983,51 +5983,6 @@
               </a:rPr>
               <a:t> the course and assignments</a:t>
             </a:r>
-          </a:p>
-          <a:p>
-            <a:pPr marL="1143000" lvl="2" indent="-381000" algn="l">
-              <a:lnSpc>
-                <a:spcPts val="4200"/>
-              </a:lnSpc>
-              <a:buFont typeface="Arial"/>
-              <a:buChar char="⚬"/>
-            </a:pPr>
-            <a:r>
-              <a:rPr lang="en-US" sz="3000" b="1" dirty="0">
-                <a:solidFill>
-                  <a:srgbClr val="303436"/>
-                </a:solidFill>
-                <a:latin typeface="Rubik Bold"/>
-                <a:ea typeface="Rubik Bold"/>
-                <a:cs typeface="Rubik Bold"/>
-                <a:sym typeface="Rubik Bold"/>
-              </a:rPr>
-              <a:t>Copy</a:t>
-            </a:r>
-            <a:r>
-              <a:rPr lang="en-US" sz="3000" dirty="0">
-                <a:solidFill>
-                  <a:srgbClr val="303436"/>
-                </a:solidFill>
-                <a:latin typeface="Rubik"/>
-                <a:ea typeface="Rubik"/>
-                <a:cs typeface="Rubik"/>
-                <a:sym typeface="Rubik"/>
-              </a:rPr>
-              <a:t> the course (to be used again in the future, but you need to change the </a:t>
-            </a:r>
-            <a:r>
-              <a:rPr lang="en-US" sz="3000" dirty="0" err="1">
-                <a:solidFill>
-                  <a:srgbClr val="303436"/>
-                </a:solidFill>
-                <a:latin typeface="Rubik"/>
-                <a:ea typeface="Rubik"/>
-                <a:cs typeface="Rubik"/>
-                <a:sym typeface="Rubik"/>
-              </a:rPr>
-              <a:t>cou</a:t>
-            </a:r>
             <a:r>
               <a:rPr lang="et-EE" sz="3000" dirty="0">
                 <a:solidFill>
@@ -6038,109 +5993,7 @@
                 <a:cs typeface="Rubik"/>
                 <a:sym typeface="Rubik"/>
               </a:rPr>
-              <a:t>r</a:t>
-            </a:r>
-            <a:r>
-              <a:rPr lang="en-US" sz="3000" dirty="0">
-                <a:solidFill>
-                  <a:srgbClr val="303436"/>
-                </a:solidFill>
-                <a:latin typeface="Rubik"/>
-                <a:ea typeface="Rubik"/>
-                <a:cs typeface="Rubik"/>
-                <a:sym typeface="Rubik"/>
-              </a:rPr>
-              <a:t>se ID!)</a:t>
-            </a:r>
-          </a:p>
-          <a:p>
-            <a:pPr marL="1143000" lvl="2" indent="-381000" algn="l">
-              <a:lnSpc>
-                <a:spcPts val="4200"/>
-              </a:lnSpc>
-              <a:buFont typeface="Arial"/>
-              <a:buChar char="⚬"/>
-            </a:pPr>
-            <a:r>
-              <a:rPr lang="en-US" sz="3000" b="1" dirty="0">
-                <a:solidFill>
-                  <a:srgbClr val="303436"/>
-                </a:solidFill>
-                <a:latin typeface="Rubik Bold"/>
-                <a:ea typeface="Rubik Bold"/>
-                <a:cs typeface="Rubik Bold"/>
-                <a:sym typeface="Rubik Bold"/>
-              </a:rPr>
-              <a:t>Delete</a:t>
-            </a:r>
-            <a:r>
-              <a:rPr lang="en-US" sz="3000" dirty="0">
-                <a:solidFill>
-                  <a:srgbClr val="303436"/>
-                </a:solidFill>
-                <a:latin typeface="Rubik"/>
-                <a:ea typeface="Rubik"/>
-                <a:cs typeface="Rubik"/>
-                <a:sym typeface="Rubik"/>
-              </a:rPr>
-              <a:t> the course and assignments</a:t>
-            </a:r>
-          </a:p>
-          <a:p>
-            <a:pPr marL="1143000" lvl="2" indent="-381000" algn="l">
-              <a:lnSpc>
-                <a:spcPts val="4200"/>
-              </a:lnSpc>
-              <a:buFont typeface="Arial"/>
-              <a:buChar char="⚬"/>
-            </a:pPr>
-            <a:r>
-              <a:rPr lang="en-US" sz="3000" b="1" dirty="0">
-                <a:solidFill>
-                  <a:srgbClr val="303436"/>
-                </a:solidFill>
-                <a:latin typeface="Rubik Bold"/>
-                <a:ea typeface="Rubik Bold"/>
-                <a:cs typeface="Rubik Bold"/>
-                <a:sym typeface="Rubik Bold"/>
-              </a:rPr>
-              <a:t>Look</a:t>
-            </a:r>
-            <a:r>
-              <a:rPr lang="en-US" sz="3000" dirty="0">
-                <a:solidFill>
-                  <a:srgbClr val="303436"/>
-                </a:solidFill>
-                <a:latin typeface="Rubik"/>
-                <a:ea typeface="Rubik"/>
-                <a:cs typeface="Rubik"/>
-                <a:sym typeface="Rubik"/>
-              </a:rPr>
-              <a:t> at the results of resp</a:t>
-            </a:r>
-            <a:r>
-              <a:rPr lang="et-EE" sz="3000" dirty="0">
-                <a:solidFill>
-                  <a:srgbClr val="303436"/>
-                </a:solidFill>
-                <a:latin typeface="Rubik"/>
-                <a:ea typeface="Rubik"/>
-                <a:cs typeface="Rubik"/>
-                <a:sym typeface="Rubik"/>
-              </a:rPr>
-              <a:t>o</a:t>
-            </a:r>
-            <a:r>
-              <a:rPr lang="en-US" sz="3000" dirty="0" err="1">
-                <a:solidFill>
-                  <a:srgbClr val="303436"/>
-                </a:solidFill>
-                <a:latin typeface="Rubik"/>
-                <a:ea typeface="Rubik"/>
-                <a:cs typeface="Rubik"/>
-                <a:sym typeface="Rubik"/>
-              </a:rPr>
-              <a:t>nses</a:t>
+              <a:t>.</a:t>
             </a:r>
             <a:endParaRPr lang="en-US" sz="3000" dirty="0">
               <a:solidFill>
@@ -6153,7 +6006,85 @@
             </a:endParaRPr>
           </a:p>
           <a:p>
-            <a:pPr marL="1143000" lvl="2" indent="-381000" algn="l">
+            <a:pPr marL="1143000" lvl="2" indent="-381000">
+              <a:lnSpc>
+                <a:spcPts val="4200"/>
+              </a:lnSpc>
+              <a:buFont typeface="Arial"/>
+              <a:buChar char="⚬"/>
+            </a:pPr>
+            <a:r>
+              <a:rPr lang="en-US" sz="3000" b="1" dirty="0">
+                <a:solidFill>
+                  <a:srgbClr val="303436"/>
+                </a:solidFill>
+                <a:latin typeface="Rubik Bold"/>
+                <a:ea typeface="Rubik Bold"/>
+                <a:cs typeface="Rubik Bold"/>
+                <a:sym typeface="Rubik Bold"/>
+              </a:rPr>
+              <a:t>Look</a:t>
+            </a:r>
+            <a:r>
+              <a:rPr lang="en-US" sz="3000" dirty="0">
+                <a:solidFill>
+                  <a:srgbClr val="303436"/>
+                </a:solidFill>
+                <a:latin typeface="Rubik"/>
+                <a:ea typeface="Rubik"/>
+                <a:cs typeface="Rubik"/>
+                <a:sym typeface="Rubik"/>
+              </a:rPr>
+              <a:t> at the results of resp</a:t>
+            </a:r>
+            <a:r>
+              <a:rPr lang="et-EE" sz="3000" dirty="0">
+                <a:solidFill>
+                  <a:srgbClr val="303436"/>
+                </a:solidFill>
+                <a:latin typeface="Rubik"/>
+                <a:ea typeface="Rubik"/>
+                <a:cs typeface="Rubik"/>
+                <a:sym typeface="Rubik"/>
+              </a:rPr>
+              <a:t>o</a:t>
+            </a:r>
+            <a:r>
+              <a:rPr lang="en-US" sz="3000" dirty="0" err="1">
+                <a:solidFill>
+                  <a:srgbClr val="303436"/>
+                </a:solidFill>
+                <a:latin typeface="Rubik"/>
+                <a:ea typeface="Rubik"/>
+                <a:cs typeface="Rubik"/>
+                <a:sym typeface="Rubik"/>
+              </a:rPr>
+              <a:t>nses</a:t>
+            </a:r>
+            <a:r>
+              <a:rPr lang="et-EE" sz="3000" dirty="0">
+                <a:solidFill>
+                  <a:srgbClr val="303436"/>
+                </a:solidFill>
+                <a:latin typeface="Rubik"/>
+                <a:ea typeface="Rubik"/>
+                <a:cs typeface="Rubik"/>
+                <a:sym typeface="Rubik"/>
+              </a:rPr>
+              <a:t>.</a:t>
+            </a:r>
+            <a:endParaRPr lang="en-US" sz="3000" dirty="0">
+              <a:solidFill>
+                <a:srgbClr val="303436"/>
+              </a:solidFill>
+              <a:latin typeface="Rubik"/>
+              <a:ea typeface="Rubik"/>
+              <a:cs typeface="Rubik"/>
+              <a:sym typeface="Rubik"/>
+            </a:endParaRPr>
+          </a:p>
+          <a:p>
+            <a:pPr marL="1143000" lvl="2" indent="-381000">
               <a:lnSpc>
                 <a:spcPts val="4200"/>
               </a:lnSpc>
@@ -6195,7 +6126,7 @@
             </a:endParaRPr>
           </a:p>
           <a:p>
-            <a:pPr marL="1143000" lvl="2" indent="-381000" algn="l">
+            <a:pPr marL="1143000" lvl="2" indent="-381000">
               <a:lnSpc>
                 <a:spcPts val="4200"/>
               </a:lnSpc>
@@ -6381,6 +6312,129 @@
             </a:endParaRPr>
           </a:p>
           <a:p>
+            <a:pPr marL="1143000" lvl="2" indent="-381000" algn="l">
+              <a:lnSpc>
+                <a:spcPts val="4200"/>
+              </a:lnSpc>
+              <a:buFont typeface="Arial"/>
+              <a:buChar char="⚬"/>
+            </a:pPr>
+            <a:r>
+              <a:rPr lang="en-US" sz="3000" b="1" dirty="0">
+                <a:solidFill>
+                  <a:srgbClr val="303436"/>
+                </a:solidFill>
+                <a:latin typeface="Rubik Bold"/>
+                <a:ea typeface="Rubik Bold"/>
+                <a:cs typeface="Rubik Bold"/>
+                <a:sym typeface="Rubik Bold"/>
+              </a:rPr>
+              <a:t>Copy</a:t>
+            </a:r>
+            <a:r>
+              <a:rPr lang="en-US" sz="3000" dirty="0">
+                <a:solidFill>
+                  <a:srgbClr val="303436"/>
+                </a:solidFill>
+                <a:latin typeface="Rubik"/>
+                <a:ea typeface="Rubik"/>
+                <a:cs typeface="Rubik"/>
+                <a:sym typeface="Rubik"/>
+              </a:rPr>
+              <a:t> the course (to be used again in the future, but you need to change the </a:t>
+            </a:r>
+            <a:r>
+              <a:rPr lang="en-US" sz="3000" dirty="0" err="1">
+                <a:solidFill>
+                  <a:srgbClr val="303436"/>
+                </a:solidFill>
+                <a:latin typeface="Rubik"/>
+                <a:ea typeface="Rubik"/>
+                <a:cs typeface="Rubik"/>
+                <a:sym typeface="Rubik"/>
+              </a:rPr>
+              <a:t>cou</a:t>
+            </a:r>
+            <a:r>
+              <a:rPr lang="et-EE" sz="3000" dirty="0">
+                <a:solidFill>
+                  <a:srgbClr val="303436"/>
+                </a:solidFill>
+                <a:latin typeface="Rubik"/>
+                <a:ea typeface="Rubik"/>
+                <a:cs typeface="Rubik"/>
+                <a:sym typeface="Rubik"/>
+              </a:rPr>
+              <a:t>r</a:t>
+            </a:r>
+            <a:r>
+              <a:rPr lang="en-US" sz="3000" dirty="0">
+                <a:solidFill>
+                  <a:srgbClr val="303436"/>
+                </a:solidFill>
+                <a:latin typeface="Rubik"/>
+                <a:ea typeface="Rubik"/>
+                <a:cs typeface="Rubik"/>
+                <a:sym typeface="Rubik"/>
+              </a:rPr>
+              <a:t>se ID!)</a:t>
+            </a:r>
+          </a:p>
+          <a:p>
+            <a:pPr marL="1143000" lvl="2" indent="-381000" algn="l">
+              <a:lnSpc>
+                <a:spcPts val="4200"/>
+              </a:lnSpc>
+              <a:buFont typeface="Arial"/>
+              <a:buChar char="⚬"/>
+            </a:pPr>
+            <a:r>
+              <a:rPr lang="en-US" sz="3000" b="1" dirty="0">
+                <a:solidFill>
+                  <a:srgbClr val="303436"/>
+                </a:solidFill>
+                <a:latin typeface="Rubik Bold"/>
+                <a:ea typeface="Rubik Bold"/>
+                <a:cs typeface="Rubik Bold"/>
+                <a:sym typeface="Rubik Bold"/>
+              </a:rPr>
+              <a:t>Delete</a:t>
+            </a:r>
+            <a:r>
+              <a:rPr lang="en-US" sz="3000" dirty="0">
+                <a:solidFill>
+                  <a:srgbClr val="303436"/>
+                </a:solidFill>
+                <a:latin typeface="Rubik"/>
+                <a:ea typeface="Rubik"/>
+                <a:cs typeface="Rubik"/>
+                <a:sym typeface="Rubik"/>
+              </a:rPr>
+              <a:t> the course and assignments</a:t>
+            </a:r>
+            <a:r>
+              <a:rPr lang="et-EE" sz="3000" dirty="0">
+                <a:solidFill>
+                  <a:srgbClr val="303436"/>
+                </a:solidFill>
+                <a:latin typeface="Rubik"/>
+                <a:ea typeface="Rubik"/>
+                <a:cs typeface="Rubik"/>
+                <a:sym typeface="Rubik"/>
+              </a:rPr>
+              <a:t>.</a:t>
+            </a:r>
+            <a:endParaRPr lang="en-US" sz="3000" dirty="0">
+              <a:solidFill>
+                <a:srgbClr val="303436"/>
+              </a:solidFill>
+              <a:latin typeface="Rubik"/>
+              <a:ea typeface="Rubik"/>
+              <a:cs typeface="Rubik"/>
+              <a:sym typeface="Rubik"/>
+            </a:endParaRPr>
+          </a:p>
+          <a:p>
             <a:pPr marL="542925" lvl="1" indent="-271462" algn="l">
               <a:lnSpc>
                 <a:spcPts val="4200"/>
@@ -6522,10 +6576,10 @@
       </p:sp>
       <p:pic>
         <p:nvPicPr>
-          <p:cNvPr id="5" name="Picture 4">
+          <p:cNvPr id="4" name="Picture 3">
             <a:extLst>
               <a:ext uri="{FF2B5EF4-FFF2-40B4-BE49-F238E27FC236}">
-                <a16:creationId xmlns:a16="http://schemas.microsoft.com/office/drawing/2014/main" id="{0C2FC39E-A519-177E-E663-3B3D91C53DB2}"/>
+                <a16:creationId xmlns:a16="http://schemas.microsoft.com/office/drawing/2014/main" id="{39E63B55-3B20-CFDE-ABF2-5525ECEBEB2D}"/>
               </a:ext>
             </a:extLst>
           </p:cNvPr>
@@ -6542,8 +6596,8 @@
         </p:blipFill>
         <p:spPr>
           <a:xfrm>
-            <a:off x="11887200" y="4533900"/>
-            <a:ext cx="5715000" cy="1564646"/>
+            <a:off x="11658600" y="3467100"/>
+            <a:ext cx="5943600" cy="1228250"/>
           </a:xfrm>
           <a:prstGeom prst="rect">
             <a:avLst/>
